--- a/doc/fiapy.pptx
+++ b/doc/fiapy.pptx
@@ -205,7 +205,7 @@
           <a:p>
             <a:fld id="{E78405A2-F771-3742-8042-8957381D31C5}" type="datetimeFigureOut">
               <a:rPr lang="en-US" smtClean="0"/>
-              <a:t>1/5/15</a:t>
+              <a:t>4/7/15</a:t>
             </a:fld>
             <a:endParaRPr lang="en-US"/>
           </a:p>
@@ -1035,7 +1035,7 @@
           <a:p>
             <a:fld id="{485CA76C-E554-CE4A-BE3D-1A2BE02E6446}" type="datetimeFigureOut">
               <a:rPr lang="en-US" smtClean="0"/>
-              <a:t>1/5/15</a:t>
+              <a:t>4/7/15</a:t>
             </a:fld>
             <a:endParaRPr lang="en-US"/>
           </a:p>
@@ -1287,7 +1287,7 @@
           <a:p>
             <a:fld id="{485CA76C-E554-CE4A-BE3D-1A2BE02E6446}" type="datetimeFigureOut">
               <a:rPr lang="en-US" smtClean="0"/>
-              <a:t>1/5/15</a:t>
+              <a:t>4/7/15</a:t>
             </a:fld>
             <a:endParaRPr lang="en-US"/>
           </a:p>
@@ -1457,7 +1457,7 @@
           <a:p>
             <a:fld id="{485CA76C-E554-CE4A-BE3D-1A2BE02E6446}" type="datetimeFigureOut">
               <a:rPr lang="en-US" smtClean="0"/>
-              <a:t>1/5/15</a:t>
+              <a:t>4/7/15</a:t>
             </a:fld>
             <a:endParaRPr lang="en-US"/>
           </a:p>
@@ -1622,7 +1622,7 @@
           <a:p>
             <a:fld id="{485CA76C-E554-CE4A-BE3D-1A2BE02E6446}" type="datetimeFigureOut">
               <a:rPr lang="en-US" smtClean="0"/>
-              <a:t>1/5/15</a:t>
+              <a:t>4/7/15</a:t>
             </a:fld>
             <a:endParaRPr lang="en-US"/>
           </a:p>
@@ -1907,7 +1907,7 @@
           <a:p>
             <a:fld id="{485CA76C-E554-CE4A-BE3D-1A2BE02E6446}" type="datetimeFigureOut">
               <a:rPr lang="en-US" smtClean="0"/>
-              <a:t>1/5/15</a:t>
+              <a:t>4/7/15</a:t>
             </a:fld>
             <a:endParaRPr lang="en-US"/>
           </a:p>
@@ -2190,7 +2190,7 @@
           <a:p>
             <a:fld id="{485CA76C-E554-CE4A-BE3D-1A2BE02E6446}" type="datetimeFigureOut">
               <a:rPr lang="en-US" smtClean="0"/>
-              <a:t>1/5/15</a:t>
+              <a:t>4/7/15</a:t>
             </a:fld>
             <a:endParaRPr lang="en-US"/>
           </a:p>
@@ -2646,7 +2646,7 @@
           <a:p>
             <a:fld id="{485CA76C-E554-CE4A-BE3D-1A2BE02E6446}" type="datetimeFigureOut">
               <a:rPr lang="en-US" smtClean="0"/>
-              <a:t>1/5/15</a:t>
+              <a:t>4/7/15</a:t>
             </a:fld>
             <a:endParaRPr lang="en-US"/>
           </a:p>
@@ -2798,7 +2798,7 @@
           <a:p>
             <a:fld id="{485CA76C-E554-CE4A-BE3D-1A2BE02E6446}" type="datetimeFigureOut">
               <a:rPr lang="en-US" smtClean="0"/>
-              <a:t>1/5/15</a:t>
+              <a:t>4/7/15</a:t>
             </a:fld>
             <a:endParaRPr lang="en-US"/>
           </a:p>
@@ -2888,7 +2888,7 @@
           <a:p>
             <a:fld id="{485CA76C-E554-CE4A-BE3D-1A2BE02E6446}" type="datetimeFigureOut">
               <a:rPr lang="en-US" smtClean="0"/>
-              <a:t>1/5/15</a:t>
+              <a:t>4/7/15</a:t>
             </a:fld>
             <a:endParaRPr lang="en-US"/>
           </a:p>
@@ -3160,7 +3160,7 @@
           <a:p>
             <a:fld id="{485CA76C-E554-CE4A-BE3D-1A2BE02E6446}" type="datetimeFigureOut">
               <a:rPr lang="en-US" smtClean="0"/>
-              <a:t>1/5/15</a:t>
+              <a:t>4/7/15</a:t>
             </a:fld>
             <a:endParaRPr lang="en-US"/>
           </a:p>
@@ -3407,7 +3407,7 @@
           <a:p>
             <a:fld id="{485CA76C-E554-CE4A-BE3D-1A2BE02E6446}" type="datetimeFigureOut">
               <a:rPr lang="en-US" smtClean="0"/>
-              <a:t>1/5/15</a:t>
+              <a:t>4/7/15</a:t>
             </a:fld>
             <a:endParaRPr lang="en-US"/>
           </a:p>
@@ -3844,11 +3844,15 @@
               </a:rPr>
             </a:br>
             <a:r>
+              <a:rPr lang="en-US" dirty="0" smtClean="0"/>
+              <a:t>and </a:t>
+            </a:r>
+            <a:r>
               <a:rPr lang="en-US" dirty="0" smtClean="0">
                 <a:latin typeface="Comic Sans MS"/>
                 <a:cs typeface="Comic Sans MS"/>
               </a:rPr>
-              <a:t>then in </a:t>
+              <a:t>in </a:t>
             </a:r>
             <a:r>
               <a:rPr lang="en-US" dirty="0" err="1" smtClean="0">
@@ -3877,7 +3881,7 @@
         <p:spPr>
           <a:xfrm>
             <a:off x="1371600" y="4124672"/>
-            <a:ext cx="6400800" cy="1752600"/>
+            <a:ext cx="6400800" cy="744488"/>
           </a:xfrm>
         </p:spPr>
         <p:txBody>
@@ -3888,7 +3892,197 @@
               <a:rPr lang="en-US" dirty="0" smtClean="0"/>
               <a:t>Shoichi Sakane</a:t>
             </a:r>
-            <a:endParaRPr lang="en-US" dirty="0"/>
+          </a:p>
+        </p:txBody>
+      </p:sp>
+      <p:sp>
+        <p:nvSpPr>
+          <p:cNvPr id="4" name="Subtitle 2"/>
+          <p:cNvSpPr txBox="1">
+            <a:spLocks/>
+          </p:cNvSpPr>
+          <p:nvPr/>
+        </p:nvSpPr>
+        <p:spPr>
+          <a:xfrm>
+            <a:off x="1363926" y="5348808"/>
+            <a:ext cx="6400800" cy="1320552"/>
+          </a:xfrm>
+          <a:prstGeom prst="rect">
+            <a:avLst/>
+          </a:prstGeom>
+        </p:spPr>
+        <p:txBody>
+          <a:bodyPr vert="horz" lIns="91440" tIns="45720" rIns="91440" bIns="45720" rtlCol="0">
+            <a:normAutofit/>
+          </a:bodyPr>
+          <a:lstStyle>
+            <a:lvl1pPr marL="0" indent="0" algn="ctr" defTabSz="457200" rtl="0" eaLnBrk="1" latinLnBrk="0" hangingPunct="1">
+              <a:spcBef>
+                <a:spcPct val="20000"/>
+              </a:spcBef>
+              <a:buFont typeface="Arial"/>
+              <a:buNone/>
+              <a:defRPr kumimoji="1" sz="3200" kern="1200">
+                <a:solidFill>
+                  <a:schemeClr val="tx1">
+                    <a:tint val="75000"/>
+                  </a:schemeClr>
+                </a:solidFill>
+                <a:latin typeface="Comic Sans MS"/>
+                <a:ea typeface="+mn-ea"/>
+                <a:cs typeface="Comic Sans MS"/>
+              </a:defRPr>
+            </a:lvl1pPr>
+            <a:lvl2pPr marL="457200" indent="0" algn="ctr" defTabSz="457200" rtl="0" eaLnBrk="1" latinLnBrk="0" hangingPunct="1">
+              <a:spcBef>
+                <a:spcPct val="20000"/>
+              </a:spcBef>
+              <a:buFont typeface="Wingdings" charset="2"/>
+              <a:buNone/>
+              <a:defRPr kumimoji="1" sz="2800" kern="1200">
+                <a:solidFill>
+                  <a:schemeClr val="tx1">
+                    <a:tint val="75000"/>
+                  </a:schemeClr>
+                </a:solidFill>
+                <a:latin typeface="Comic Sans MS"/>
+                <a:ea typeface="+mn-ea"/>
+                <a:cs typeface="Comic Sans MS"/>
+              </a:defRPr>
+            </a:lvl2pPr>
+            <a:lvl3pPr marL="914400" indent="0" algn="ctr" defTabSz="457200" rtl="0" eaLnBrk="1" latinLnBrk="0" hangingPunct="1">
+              <a:spcBef>
+                <a:spcPct val="20000"/>
+              </a:spcBef>
+              <a:buFont typeface="Wingdings" charset="2"/>
+              <a:buNone/>
+              <a:defRPr kumimoji="1" sz="2400" kern="1200">
+                <a:solidFill>
+                  <a:schemeClr val="tx1">
+                    <a:tint val="75000"/>
+                  </a:schemeClr>
+                </a:solidFill>
+                <a:latin typeface="Comic Sans MS"/>
+                <a:ea typeface="+mn-ea"/>
+                <a:cs typeface="Comic Sans MS"/>
+              </a:defRPr>
+            </a:lvl3pPr>
+            <a:lvl4pPr marL="1371600" indent="0" algn="ctr" defTabSz="457200" rtl="0" eaLnBrk="1" latinLnBrk="0" hangingPunct="1">
+              <a:spcBef>
+                <a:spcPct val="20000"/>
+              </a:spcBef>
+              <a:buFont typeface="Arial"/>
+              <a:buNone/>
+              <a:defRPr kumimoji="1" sz="2000" kern="1200">
+                <a:solidFill>
+                  <a:schemeClr val="tx1">
+                    <a:tint val="75000"/>
+                  </a:schemeClr>
+                </a:solidFill>
+                <a:latin typeface="Comic Sans MS"/>
+                <a:ea typeface="+mn-ea"/>
+                <a:cs typeface="Comic Sans MS"/>
+              </a:defRPr>
+            </a:lvl4pPr>
+            <a:lvl5pPr marL="1828800" indent="0" algn="ctr" defTabSz="457200" rtl="0" eaLnBrk="1" latinLnBrk="0" hangingPunct="1">
+              <a:spcBef>
+                <a:spcPct val="20000"/>
+              </a:spcBef>
+              <a:buFont typeface="Arial"/>
+              <a:buNone/>
+              <a:defRPr kumimoji="1" sz="2000" kern="1200">
+                <a:solidFill>
+                  <a:schemeClr val="tx1">
+                    <a:tint val="75000"/>
+                  </a:schemeClr>
+                </a:solidFill>
+                <a:latin typeface="Comic Sans MS"/>
+                <a:ea typeface="+mn-ea"/>
+                <a:cs typeface="Comic Sans MS"/>
+              </a:defRPr>
+            </a:lvl5pPr>
+            <a:lvl6pPr marL="2286000" indent="0" algn="ctr" defTabSz="457200" rtl="0" eaLnBrk="1" latinLnBrk="0" hangingPunct="1">
+              <a:spcBef>
+                <a:spcPct val="20000"/>
+              </a:spcBef>
+              <a:buFont typeface="Arial"/>
+              <a:buNone/>
+              <a:defRPr kumimoji="1" sz="2000" kern="1200">
+                <a:solidFill>
+                  <a:schemeClr val="tx1">
+                    <a:tint val="75000"/>
+                  </a:schemeClr>
+                </a:solidFill>
+                <a:latin typeface="+mn-lt"/>
+                <a:ea typeface="+mn-ea"/>
+                <a:cs typeface="+mn-cs"/>
+              </a:defRPr>
+            </a:lvl6pPr>
+            <a:lvl7pPr marL="2743200" indent="0" algn="ctr" defTabSz="457200" rtl="0" eaLnBrk="1" latinLnBrk="0" hangingPunct="1">
+              <a:spcBef>
+                <a:spcPct val="20000"/>
+              </a:spcBef>
+              <a:buFont typeface="Arial"/>
+              <a:buNone/>
+              <a:defRPr kumimoji="1" sz="2000" kern="1200">
+                <a:solidFill>
+                  <a:schemeClr val="tx1">
+                    <a:tint val="75000"/>
+                  </a:schemeClr>
+                </a:solidFill>
+                <a:latin typeface="+mn-lt"/>
+                <a:ea typeface="+mn-ea"/>
+                <a:cs typeface="+mn-cs"/>
+              </a:defRPr>
+            </a:lvl7pPr>
+            <a:lvl8pPr marL="3200400" indent="0" algn="ctr" defTabSz="457200" rtl="0" eaLnBrk="1" latinLnBrk="0" hangingPunct="1">
+              <a:spcBef>
+                <a:spcPct val="20000"/>
+              </a:spcBef>
+              <a:buFont typeface="Arial"/>
+              <a:buNone/>
+              <a:defRPr kumimoji="1" sz="2000" kern="1200">
+                <a:solidFill>
+                  <a:schemeClr val="tx1">
+                    <a:tint val="75000"/>
+                  </a:schemeClr>
+                </a:solidFill>
+                <a:latin typeface="+mn-lt"/>
+                <a:ea typeface="+mn-ea"/>
+                <a:cs typeface="+mn-cs"/>
+              </a:defRPr>
+            </a:lvl8pPr>
+            <a:lvl9pPr marL="3657600" indent="0" algn="ctr" defTabSz="457200" rtl="0" eaLnBrk="1" latinLnBrk="0" hangingPunct="1">
+              <a:spcBef>
+                <a:spcPct val="20000"/>
+              </a:spcBef>
+              <a:buFont typeface="Arial"/>
+              <a:buNone/>
+              <a:defRPr kumimoji="1" sz="2000" kern="1200">
+                <a:solidFill>
+                  <a:schemeClr val="tx1">
+                    <a:tint val="75000"/>
+                  </a:schemeClr>
+                </a:solidFill>
+                <a:latin typeface="+mn-lt"/>
+                <a:ea typeface="+mn-ea"/>
+                <a:cs typeface="+mn-cs"/>
+              </a:defRPr>
+            </a:lvl9pPr>
+          </a:lstStyle>
+          <a:p>
+            <a:r>
+              <a:rPr lang="en-US" sz="2400" dirty="0" smtClean="0"/>
+              <a:t>02-Feb-2015</a:t>
+            </a:r>
+          </a:p>
+          <a:p>
+            <a:r>
+              <a:rPr lang="en-US" sz="2400" strike="sngStrike" dirty="0" smtClean="0"/>
+              <a:t>01-Apr-2014</a:t>
+            </a:r>
+            <a:endParaRPr lang="en-US" sz="2400" strike="sngStrike" dirty="0"/>
           </a:p>
         </p:txBody>
       </p:sp>
@@ -4014,6 +4208,14 @@
               <a:t>db.trap</a:t>
             </a:r>
             <a:r>
+              <a:rPr lang="en-US" dirty="0" smtClean="0">
+                <a:solidFill>
+                  <a:srgbClr val="FF6600"/>
+                </a:solidFill>
+              </a:rPr>
+              <a:t>[“schedule”]</a:t>
+            </a:r>
+            <a:r>
               <a:rPr lang="en-US" dirty="0" smtClean="0"/>
               <a:t>, and it </a:t>
             </a:r>
@@ -4115,6 +4317,16 @@
               <a:t> polls </a:t>
             </a:r>
             <a:r>
+              <a:rPr lang="en-US" dirty="0" err="1" smtClean="0">
+                <a:solidFill>
+                  <a:srgbClr val="FF6600"/>
+                </a:solidFill>
+                <a:latin typeface="Comic Sans MS"/>
+                <a:cs typeface="Comic Sans MS"/>
+              </a:rPr>
+              <a:t>db.fiap</a:t>
+            </a:r>
+            <a:r>
               <a:rPr lang="en-US" dirty="0" smtClean="0">
                 <a:solidFill>
                   <a:srgbClr val="FF6600"/>
@@ -4122,7 +4334,7 @@
                 <a:latin typeface="Comic Sans MS"/>
                 <a:cs typeface="Comic Sans MS"/>
               </a:rPr>
-              <a:t>db.&lt;</a:t>
+              <a:t>[&lt;</a:t>
             </a:r>
             <a:r>
               <a:rPr lang="en-US" dirty="0" err="1" smtClean="0">
@@ -4142,7 +4354,7 @@
                 <a:latin typeface="Comic Sans MS"/>
                 <a:cs typeface="Comic Sans MS"/>
               </a:rPr>
-              <a:t>&gt;</a:t>
+              <a:t>&gt;]</a:t>
             </a:r>
             <a:r>
               <a:rPr lang="en-US" dirty="0" smtClean="0">
@@ -7119,8 +7331,8 @@
         </p:nvSpPr>
         <p:spPr>
           <a:xfrm>
-            <a:off x="478985" y="1340768"/>
-            <a:ext cx="8269479" cy="5355313"/>
+            <a:off x="478985" y="1052736"/>
+            <a:ext cx="8269479" cy="4985981"/>
           </a:xfrm>
           <a:prstGeom prst="rect">
             <a:avLst/>
@@ -7160,70 +7372,80 @@
             </a:endParaRPr>
           </a:p>
           <a:p>
-            <a:r>
-              <a:rPr lang="en-US" dirty="0" smtClean="0"/>
-              <a:t>	db</a:t>
-            </a:r>
-            <a:r>
-              <a:rPr lang="en-US" dirty="0"/>
-              <a:t>.</a:t>
-            </a:r>
-            <a:r>
-              <a:rPr lang="en-US" dirty="0" smtClean="0"/>
-              <a:t>&lt;</a:t>
-            </a:r>
-            <a:r>
-              <a:rPr lang="en-US" i="1" dirty="0" err="1" smtClean="0">
+            <a:pPr lvl="1"/>
+            <a:r>
+              <a:rPr lang="en-US" sz="1600" dirty="0" err="1" smtClean="0"/>
+              <a:t>db.fiap</a:t>
+            </a:r>
+            <a:r>
+              <a:rPr lang="en-US" sz="1600" dirty="0" smtClean="0"/>
+              <a:t>[&lt;</a:t>
+            </a:r>
+            <a:r>
+              <a:rPr lang="en-US" sz="1600" i="1" dirty="0" err="1" smtClean="0">
                 <a:latin typeface="Century"/>
                 <a:cs typeface="Century"/>
               </a:rPr>
               <a:t>PointID</a:t>
             </a:r>
             <a:r>
-              <a:rPr lang="en-US" dirty="0"/>
-              <a:t>&gt;.save( { </a:t>
-            </a:r>
-            <a:r>
-              <a:rPr lang="en-US" dirty="0" smtClean="0"/>
-              <a:t>‘time’</a:t>
-            </a:r>
-            <a:r>
-              <a:rPr lang="en-US" dirty="0"/>
-              <a:t>: </a:t>
-            </a:r>
-            <a:r>
-              <a:rPr lang="en-US" i="1" dirty="0">
+              <a:rPr lang="en-US" sz="1600" dirty="0" smtClean="0"/>
+              <a:t>&gt;] = { “_id” : {“$</a:t>
+            </a:r>
+            <a:r>
+              <a:rPr lang="en-US" sz="1600" dirty="0" err="1" smtClean="0"/>
+              <a:t>oid</a:t>
+            </a:r>
+            <a:r>
+              <a:rPr lang="en-US" sz="1600" dirty="0" smtClean="0"/>
+              <a:t>” : ”&lt;</a:t>
+            </a:r>
+            <a:r>
+              <a:rPr lang="en-US" sz="1600" i="1" dirty="0" err="1" smtClean="0">
                 <a:latin typeface="Century"/>
                 <a:cs typeface="Century"/>
               </a:rPr>
-              <a:t>time</a:t>
-            </a:r>
-            <a:r>
-              <a:rPr lang="en-US" dirty="0"/>
-              <a:t>, </a:t>
-            </a:r>
-            <a:r>
-              <a:rPr lang="en-US" dirty="0" smtClean="0"/>
-              <a:t>‘value’</a:t>
-            </a:r>
-            <a:r>
-              <a:rPr lang="en-US" dirty="0"/>
-              <a:t>: </a:t>
-            </a:r>
-            <a:r>
-              <a:rPr lang="en-US" i="1" dirty="0">
+              <a:t>oid</a:t>
+            </a:r>
+            <a:r>
+              <a:rPr lang="en-US" sz="1600" i="1" dirty="0" smtClean="0">
                 <a:latin typeface="Century"/>
                 <a:cs typeface="Century"/>
               </a:rPr>
-              <a:t>value</a:t>
-            </a:r>
-            <a:r>
-              <a:rPr lang="en-US" dirty="0"/>
-              <a:t> } </a:t>
-            </a:r>
-            <a:r>
-              <a:rPr lang="en-US" dirty="0" smtClean="0"/>
-              <a:t>)</a:t>
+              <a:t>&gt;</a:t>
+            </a:r>
+            <a:r>
+              <a:rPr lang="en-US" sz="1600" dirty="0" smtClean="0"/>
+              <a:t>” },</a:t>
+            </a:r>
+          </a:p>
+          <a:p>
+            <a:pPr lvl="1"/>
+            <a:r>
+              <a:rPr lang="en-US" sz="1600" dirty="0" smtClean="0"/>
+              <a:t>	“value” : ”&lt;</a:t>
+            </a:r>
+            <a:r>
+              <a:rPr lang="en-US" sz="1600" i="1" dirty="0" smtClean="0">
+                <a:latin typeface="Century"/>
+                <a:cs typeface="Century"/>
+              </a:rPr>
+              <a:t>value&gt;</a:t>
+            </a:r>
+            <a:r>
+              <a:rPr lang="en-US" sz="1600" dirty="0" smtClean="0"/>
+              <a:t>”, “time” : { “$date” : &lt;</a:t>
+            </a:r>
+            <a:r>
+              <a:rPr lang="en-US" sz="1600" i="1" dirty="0" smtClean="0">
+                <a:latin typeface="Century"/>
+                <a:cs typeface="Century"/>
+              </a:rPr>
+              <a:t>data&gt;</a:t>
+            </a:r>
+            <a:r>
+              <a:rPr lang="en-US" sz="1600" dirty="0" smtClean="0"/>
+              <a:t> } }</a:t>
             </a:r>
           </a:p>
           <a:p>
@@ -7235,6 +7457,11 @@
           <a:p>
             <a:r>
               <a:rPr lang="en-US" sz="2000" dirty="0" smtClean="0">
+                <a:solidFill>
+                  <a:schemeClr val="bg1">
+                    <a:lumMod val="75000"/>
+                  </a:schemeClr>
+                </a:solidFill>
                 <a:latin typeface="Comic Sans MS"/>
                 <a:cs typeface="Comic Sans MS"/>
               </a:rPr>
@@ -7242,6 +7469,11 @@
             </a:r>
             <a:r>
               <a:rPr lang="en-US" sz="2000" dirty="0" err="1" smtClean="0">
+                <a:solidFill>
+                  <a:schemeClr val="bg1">
+                    <a:lumMod val="75000"/>
+                  </a:schemeClr>
+                </a:solidFill>
                 <a:latin typeface="Comic Sans MS"/>
                 <a:cs typeface="Comic Sans MS"/>
               </a:rPr>
@@ -7249,6 +7481,11 @@
             </a:r>
             <a:r>
               <a:rPr lang="en-US" sz="2000" dirty="0" smtClean="0">
+                <a:solidFill>
+                  <a:schemeClr val="bg1">
+                    <a:lumMod val="75000"/>
+                  </a:schemeClr>
+                </a:solidFill>
                 <a:latin typeface="Comic Sans MS"/>
                 <a:cs typeface="Comic Sans MS"/>
               </a:rPr>
@@ -7256,229 +7493,592 @@
             </a:r>
           </a:p>
           <a:p>
-            <a:r>
-              <a:rPr lang="en-US" dirty="0" smtClean="0"/>
-              <a:t>	db.&lt;</a:t>
-            </a:r>
+            <a:pPr lvl="1"/>
+            <a:r>
+              <a:rPr lang="en-US" sz="1600" dirty="0" err="1" smtClean="0">
+                <a:solidFill>
+                  <a:schemeClr val="bg1">
+                    <a:lumMod val="75000"/>
+                  </a:schemeClr>
+                </a:solidFill>
+              </a:rPr>
+              <a:t>db.fiap</a:t>
+            </a:r>
+            <a:r>
+              <a:rPr lang="en-US" sz="1600" dirty="0" smtClean="0">
+                <a:solidFill>
+                  <a:schemeClr val="bg1">
+                    <a:lumMod val="75000"/>
+                  </a:schemeClr>
+                </a:solidFill>
+              </a:rPr>
+              <a:t>[&lt;</a:t>
+            </a:r>
+            <a:r>
+              <a:rPr lang="en-US" sz="1600" i="1" dirty="0" err="1" smtClean="0">
+                <a:solidFill>
+                  <a:schemeClr val="bg1">
+                    <a:lumMod val="75000"/>
+                  </a:schemeClr>
+                </a:solidFill>
+                <a:latin typeface="Century"/>
+                <a:cs typeface="Century"/>
+              </a:rPr>
+              <a:t>PointSet</a:t>
+            </a:r>
+            <a:r>
+              <a:rPr lang="en-US" sz="1600" i="1" dirty="0" smtClean="0">
+                <a:solidFill>
+                  <a:schemeClr val="bg1">
+                    <a:lumMod val="75000"/>
+                  </a:schemeClr>
+                </a:solidFill>
+                <a:latin typeface="Century"/>
+                <a:cs typeface="Century"/>
+              </a:rPr>
+              <a:t> ID</a:t>
+            </a:r>
+            <a:r>
+              <a:rPr lang="en-US" sz="1600" dirty="0" smtClean="0">
+                <a:solidFill>
+                  <a:schemeClr val="bg1">
+                    <a:lumMod val="75000"/>
+                  </a:schemeClr>
+                </a:solidFill>
+              </a:rPr>
+              <a:t>&gt;] = { “</a:t>
+            </a:r>
+            <a:r>
+              <a:rPr lang="en-US" sz="1600" dirty="0" err="1" smtClean="0">
+                <a:solidFill>
+                  <a:schemeClr val="bg1">
+                    <a:lumMod val="75000"/>
+                  </a:schemeClr>
+                </a:solidFill>
+              </a:rPr>
+              <a:t>pset</a:t>
+            </a:r>
+            <a:r>
+              <a:rPr lang="en-US" sz="1600" dirty="0" smtClean="0">
+                <a:solidFill>
+                  <a:schemeClr val="bg1">
+                    <a:lumMod val="75000"/>
+                  </a:schemeClr>
+                </a:solidFill>
+              </a:rPr>
+              <a:t>”: </a:t>
+            </a:r>
+            <a:r>
+              <a:rPr lang="en-US" sz="1600" i="1" dirty="0" err="1" smtClean="0">
+                <a:solidFill>
+                  <a:schemeClr val="bg1">
+                    <a:lumMod val="75000"/>
+                  </a:schemeClr>
+                </a:solidFill>
+                <a:latin typeface="Century"/>
+                <a:cs typeface="Century"/>
+              </a:rPr>
+              <a:t>plist</a:t>
+            </a:r>
+            <a:r>
+              <a:rPr lang="en-US" sz="1600" dirty="0" smtClean="0">
+                <a:solidFill>
+                  <a:schemeClr val="bg1">
+                    <a:lumMod val="75000"/>
+                  </a:schemeClr>
+                </a:solidFill>
+              </a:rPr>
+              <a:t> }</a:t>
+            </a:r>
+          </a:p>
+          <a:p>
+            <a:pPr lvl="1"/>
+            <a:r>
+              <a:rPr lang="en-US" i="1" dirty="0" smtClean="0">
+                <a:solidFill>
+                  <a:schemeClr val="bg1">
+                    <a:lumMod val="75000"/>
+                  </a:schemeClr>
+                </a:solidFill>
+                <a:latin typeface="Century"/>
+                <a:cs typeface="Century"/>
+              </a:rPr>
+              <a:t>	</a:t>
+            </a:r>
+            <a:r>
+              <a:rPr lang="en-US" i="1" dirty="0" err="1" smtClean="0">
+                <a:solidFill>
+                  <a:schemeClr val="bg1">
+                    <a:lumMod val="75000"/>
+                  </a:schemeClr>
+                </a:solidFill>
+                <a:latin typeface="Century"/>
+                <a:cs typeface="Century"/>
+              </a:rPr>
+              <a:t>plist</a:t>
+            </a:r>
+            <a:r>
+              <a:rPr lang="en-US" dirty="0" smtClean="0">
+                <a:solidFill>
+                  <a:schemeClr val="bg1">
+                    <a:lumMod val="75000"/>
+                  </a:schemeClr>
+                </a:solidFill>
+              </a:rPr>
+              <a:t> </a:t>
+            </a:r>
+            <a:r>
+              <a:rPr lang="en-US" dirty="0">
+                <a:solidFill>
+                  <a:schemeClr val="bg1">
+                    <a:lumMod val="75000"/>
+                  </a:schemeClr>
+                </a:solidFill>
+              </a:rPr>
+              <a:t>= [ {&lt;</a:t>
+            </a:r>
+            <a:r>
+              <a:rPr lang="en-US" i="1" dirty="0" err="1">
+                <a:solidFill>
+                  <a:schemeClr val="bg1">
+                    <a:lumMod val="75000"/>
+                  </a:schemeClr>
+                </a:solidFill>
+                <a:latin typeface="Century"/>
+                <a:cs typeface="Century"/>
+              </a:rPr>
+              <a:t>PointSet</a:t>
+            </a:r>
+            <a:r>
+              <a:rPr lang="en-US" i="1" dirty="0">
+                <a:solidFill>
+                  <a:schemeClr val="bg1">
+                    <a:lumMod val="75000"/>
+                  </a:schemeClr>
+                </a:solidFill>
+                <a:latin typeface="Century"/>
+                <a:cs typeface="Century"/>
+              </a:rPr>
+              <a:t> ID</a:t>
+            </a:r>
+            <a:r>
+              <a:rPr lang="en-US" dirty="0">
+                <a:solidFill>
+                  <a:schemeClr val="bg1">
+                    <a:lumMod val="75000"/>
+                  </a:schemeClr>
+                </a:solidFill>
+              </a:rPr>
+              <a:t>&gt;: ‘</a:t>
+            </a:r>
+            <a:r>
+              <a:rPr lang="en-US" dirty="0" err="1">
+                <a:solidFill>
+                  <a:schemeClr val="bg1">
+                    <a:lumMod val="75000"/>
+                  </a:schemeClr>
+                </a:solidFill>
+              </a:rPr>
+              <a:t>ps</a:t>
+            </a:r>
+            <a:r>
+              <a:rPr lang="en-US" dirty="0">
+                <a:solidFill>
+                  <a:schemeClr val="bg1">
+                    <a:lumMod val="75000"/>
+                  </a:schemeClr>
+                </a:solidFill>
+              </a:rPr>
+              <a:t>’}, {&lt;</a:t>
+            </a:r>
+            <a:r>
+              <a:rPr lang="en-US" i="1" dirty="0" err="1">
+                <a:solidFill>
+                  <a:schemeClr val="bg1">
+                    <a:lumMod val="75000"/>
+                  </a:schemeClr>
+                </a:solidFill>
+                <a:latin typeface="Century"/>
+                <a:cs typeface="Century"/>
+              </a:rPr>
+              <a:t>PointID</a:t>
+            </a:r>
+            <a:r>
+              <a:rPr lang="en-US" dirty="0">
+                <a:solidFill>
+                  <a:schemeClr val="bg1">
+                    <a:lumMod val="75000"/>
+                  </a:schemeClr>
+                </a:solidFill>
+              </a:rPr>
+              <a:t>&gt;: ‘p’}, {...} ] </a:t>
+            </a:r>
+          </a:p>
+          <a:p>
+            <a:endParaRPr lang="en-US" sz="2000" dirty="0" smtClean="0"/>
+          </a:p>
+          <a:p>
+            <a:r>
+              <a:rPr lang="en-US" sz="2000" dirty="0" smtClean="0">
+                <a:latin typeface="Comic Sans MS"/>
+                <a:cs typeface="Comic Sans MS"/>
+              </a:rPr>
+              <a:t>the collection ‘trap’ holds a request of the stream type.</a:t>
+            </a:r>
+          </a:p>
+          <a:p>
+            <a:pPr lvl="1"/>
+            <a:r>
+              <a:rPr lang="en-US" sz="1600" dirty="0" err="1" smtClean="0"/>
+              <a:t>db.fiap</a:t>
+            </a:r>
+            <a:r>
+              <a:rPr lang="en-US" sz="1600" dirty="0" smtClean="0"/>
+              <a:t>[ “trap” ] = { “</a:t>
+            </a:r>
+            <a:r>
+              <a:rPr lang="en-US" sz="1600" dirty="0" err="1" smtClean="0"/>
+              <a:t>qk</a:t>
+            </a:r>
+            <a:r>
+              <a:rPr lang="en-US" sz="1600" dirty="0" smtClean="0"/>
+              <a:t>”: &lt;</a:t>
+            </a:r>
+            <a:r>
+              <a:rPr lang="en-US" sz="1600" i="1" dirty="0" err="1" smtClean="0">
+                <a:latin typeface="Century"/>
+                <a:cs typeface="Century"/>
+              </a:rPr>
+              <a:t>querykey</a:t>
+            </a:r>
+            <a:r>
+              <a:rPr lang="en-US" sz="1600" i="1" dirty="0" smtClean="0">
+                <a:latin typeface="Century"/>
+                <a:cs typeface="Century"/>
+              </a:rPr>
+              <a:t>&gt;</a:t>
+            </a:r>
+            <a:r>
+              <a:rPr lang="en-US" sz="1600" dirty="0" smtClean="0"/>
+              <a:t>, “limit”: &lt;</a:t>
+            </a:r>
+            <a:r>
+              <a:rPr lang="en-US" sz="1600" i="1" dirty="0" smtClean="0">
+                <a:latin typeface="Century"/>
+                <a:cs typeface="Century"/>
+              </a:rPr>
+              <a:t>limit&gt;</a:t>
+            </a:r>
+            <a:r>
+              <a:rPr lang="en-US" sz="1600" dirty="0" smtClean="0"/>
+              <a:t>, “</a:t>
+            </a:r>
+            <a:r>
+              <a:rPr lang="en-US" sz="1600" dirty="0" err="1" smtClean="0"/>
+              <a:t>tte</a:t>
+            </a:r>
+            <a:r>
+              <a:rPr lang="en-US" sz="1600" dirty="0" smtClean="0"/>
+              <a:t>”: &lt;</a:t>
+            </a:r>
+            <a:r>
+              <a:rPr lang="en-US" sz="1600" i="1" dirty="0" smtClean="0">
+                <a:latin typeface="Century"/>
+                <a:cs typeface="Century"/>
+              </a:rPr>
+              <a:t>time </a:t>
+            </a:r>
+            <a:r>
+              <a:rPr lang="en-US" sz="1600" i="1" dirty="0">
+                <a:latin typeface="Century"/>
+                <a:cs typeface="Century"/>
+              </a:rPr>
+              <a:t>to </a:t>
+            </a:r>
+            <a:r>
+              <a:rPr lang="en-US" sz="1600" i="1" dirty="0" smtClean="0">
+                <a:latin typeface="Century"/>
+                <a:cs typeface="Century"/>
+              </a:rPr>
+              <a:t>expire&gt;</a:t>
+            </a:r>
+            <a:r>
+              <a:rPr lang="en-US" sz="1600" dirty="0" smtClean="0"/>
+              <a:t>, </a:t>
+            </a:r>
+          </a:p>
+          <a:p>
+            <a:pPr lvl="1"/>
+            <a:r>
+              <a:rPr lang="en-US" sz="1600" dirty="0"/>
+              <a:t>	</a:t>
+            </a:r>
+            <a:r>
+              <a:rPr lang="en-US" sz="1600" dirty="0" smtClean="0"/>
+              <a:t>“cd”: “&lt;</a:t>
+            </a:r>
+            <a:r>
+              <a:rPr lang="en-US" sz="1600" i="1" dirty="0" smtClean="0">
+                <a:latin typeface="Century"/>
+                <a:cs typeface="Century"/>
+              </a:rPr>
+              <a:t>URL of </a:t>
+            </a:r>
+            <a:r>
+              <a:rPr lang="en-US" sz="1600" i="1" dirty="0" err="1" smtClean="0">
+                <a:latin typeface="Century"/>
+                <a:cs typeface="Century"/>
+              </a:rPr>
+              <a:t>cbdata</a:t>
+            </a:r>
+            <a:r>
+              <a:rPr lang="en-US" sz="1600" i="1" dirty="0" smtClean="0">
+                <a:latin typeface="Century"/>
+                <a:cs typeface="Century"/>
+              </a:rPr>
+              <a:t>&gt;”</a:t>
+            </a:r>
+            <a:r>
+              <a:rPr lang="en-US" sz="1600" dirty="0" smtClean="0"/>
+              <a:t>, “cc”: “&lt;</a:t>
+            </a:r>
+            <a:r>
+              <a:rPr lang="en-US" sz="1600" i="1" dirty="0" smtClean="0">
+                <a:latin typeface="Century"/>
+                <a:cs typeface="Century"/>
+              </a:rPr>
+              <a:t>URL of </a:t>
+            </a:r>
+            <a:r>
+              <a:rPr lang="en-US" sz="1600" i="1" dirty="0" err="1" smtClean="0">
+                <a:latin typeface="Century"/>
+                <a:cs typeface="Century"/>
+              </a:rPr>
+              <a:t>cbcontrol</a:t>
+            </a:r>
+            <a:r>
+              <a:rPr lang="en-US" sz="1600" i="1" dirty="0" smtClean="0">
+                <a:latin typeface="Century"/>
+                <a:cs typeface="Century"/>
+              </a:rPr>
+              <a:t>&gt;”</a:t>
+            </a:r>
+            <a:r>
+              <a:rPr lang="en-US" sz="1600" dirty="0" smtClean="0"/>
+              <a:t>,</a:t>
+            </a:r>
+          </a:p>
+          <a:p>
+            <a:pPr lvl="1"/>
+            <a:r>
+              <a:rPr lang="en-US" sz="1600" dirty="0"/>
+              <a:t>	</a:t>
+            </a:r>
+            <a:r>
+              <a:rPr lang="en-US" sz="1600" dirty="0" smtClean="0"/>
+              <a:t>“</a:t>
+            </a:r>
+            <a:r>
+              <a:rPr lang="en-US" sz="1600" dirty="0" err="1" smtClean="0"/>
+              <a:t>ctype</a:t>
+            </a:r>
+            <a:r>
+              <a:rPr lang="en-US" sz="1600" dirty="0" smtClean="0"/>
+              <a:t>” : “text/xml” | “text/</a:t>
+            </a:r>
+            <a:r>
+              <a:rPr lang="en-US" sz="1600" dirty="0" err="1" smtClean="0"/>
+              <a:t>json</a:t>
+            </a:r>
+            <a:r>
+              <a:rPr lang="en-US" sz="1600" dirty="0" smtClean="0"/>
+              <a:t>”,</a:t>
+            </a:r>
+            <a:r>
+              <a:rPr lang="en-US" sz="1600" dirty="0"/>
+              <a:t> </a:t>
+            </a:r>
+            <a:r>
+              <a:rPr lang="en-US" sz="1600" dirty="0" smtClean="0"/>
+              <a:t>“h”: “</a:t>
+            </a:r>
+            <a:r>
+              <a:rPr lang="en-US" sz="1600" i="1" dirty="0" smtClean="0">
+                <a:latin typeface="Century"/>
+                <a:cs typeface="Century"/>
+              </a:rPr>
+              <a:t>header</a:t>
+            </a:r>
+            <a:r>
+              <a:rPr lang="en-US" sz="1600" dirty="0" smtClean="0"/>
+              <a:t> “,</a:t>
+            </a:r>
+          </a:p>
+          <a:p>
+            <a:pPr lvl="1"/>
+            <a:r>
+              <a:rPr lang="en-US" sz="1600" dirty="0"/>
+              <a:t>	</a:t>
+            </a:r>
+            <a:r>
+              <a:rPr lang="en-US" sz="1600" dirty="0" smtClean="0"/>
+              <a:t>“rip”:</a:t>
+            </a:r>
+            <a:r>
+              <a:rPr lang="en-US" sz="1600" dirty="0" smtClean="0">
+                <a:latin typeface="Century"/>
+                <a:cs typeface="Century"/>
+              </a:rPr>
+              <a:t> “</a:t>
+            </a:r>
+            <a:r>
+              <a:rPr lang="en-US" sz="1600" i="1" dirty="0" smtClean="0">
+                <a:latin typeface="Century"/>
+                <a:cs typeface="Century"/>
+              </a:rPr>
+              <a:t>requester’s </a:t>
+            </a:r>
+            <a:r>
+              <a:rPr lang="en-US" sz="1600" i="1" dirty="0" err="1" smtClean="0">
+                <a:latin typeface="Century"/>
+                <a:cs typeface="Century"/>
+              </a:rPr>
+              <a:t>ipaddres</a:t>
+            </a:r>
+            <a:r>
+              <a:rPr lang="en-US" sz="1600" i="1" dirty="0" smtClean="0">
+                <a:latin typeface="Century"/>
+                <a:cs typeface="Century"/>
+              </a:rPr>
+              <a:t>”</a:t>
+            </a:r>
+            <a:r>
+              <a:rPr lang="en-US" sz="1600" dirty="0" smtClean="0"/>
+              <a:t>, “</a:t>
+            </a:r>
+            <a:r>
+              <a:rPr lang="en-US" sz="1600" dirty="0" err="1" smtClean="0"/>
+              <a:t>rsan</a:t>
+            </a:r>
+            <a:r>
+              <a:rPr lang="en-US" sz="1600" dirty="0" smtClean="0"/>
+              <a:t>”: “</a:t>
+            </a:r>
+            <a:r>
+              <a:rPr lang="en-US" sz="1600" i="1" dirty="0" smtClean="0">
+                <a:latin typeface="Century"/>
+                <a:cs typeface="Century"/>
+              </a:rPr>
+              <a:t>requester’s SAN” </a:t>
+            </a:r>
+            <a:r>
+              <a:rPr lang="en-US" sz="1600" dirty="0" smtClean="0"/>
+              <a:t>}</a:t>
+            </a:r>
+          </a:p>
+          <a:p>
+            <a:pPr lvl="2"/>
+            <a:endParaRPr lang="en-US" sz="1600" dirty="0" smtClean="0"/>
+          </a:p>
+          <a:p>
+            <a:pPr lvl="1"/>
             <a:r>
               <a:rPr lang="en-US" i="1" dirty="0" err="1" smtClean="0">
                 <a:latin typeface="Century"/>
                 <a:cs typeface="Century"/>
               </a:rPr>
-              <a:t>PointSet</a:t>
-            </a:r>
+              <a:t>querykey</a:t>
+            </a:r>
+            <a:r>
+              <a:rPr lang="en-US" dirty="0" smtClean="0"/>
+              <a:t> </a:t>
+            </a:r>
+            <a:r>
+              <a:rPr lang="en-US" dirty="0" smtClean="0">
+                <a:latin typeface="Comic Sans MS"/>
+                <a:cs typeface="Comic Sans MS"/>
+              </a:rPr>
+              <a:t>is a </a:t>
+            </a:r>
+            <a:r>
+              <a:rPr lang="en-US" dirty="0" err="1" smtClean="0">
+                <a:latin typeface="Comic Sans MS"/>
+                <a:cs typeface="Comic Sans MS"/>
+              </a:rPr>
+              <a:t>JSON</a:t>
+            </a:r>
+            <a:r>
+              <a:rPr lang="en-US" dirty="0" smtClean="0">
+                <a:latin typeface="Comic Sans MS"/>
+                <a:cs typeface="Comic Sans MS"/>
+              </a:rPr>
+              <a:t> text of the key object.</a:t>
+            </a:r>
+          </a:p>
+          <a:p>
+            <a:pPr lvl="1"/>
             <a:r>
               <a:rPr lang="en-US" i="1" dirty="0" smtClean="0">
                 <a:latin typeface="Century"/>
                 <a:cs typeface="Century"/>
               </a:rPr>
-              <a:t> ID</a:t>
-            </a:r>
-            <a:r>
-              <a:rPr lang="en-US" dirty="0" smtClean="0"/>
-              <a:t>&gt;.save ( { ‘</a:t>
-            </a:r>
-            <a:r>
-              <a:rPr lang="en-US" dirty="0" err="1" smtClean="0"/>
-              <a:t>pset</a:t>
-            </a:r>
-            <a:r>
-              <a:rPr lang="en-US" dirty="0" smtClean="0"/>
-              <a:t>’: </a:t>
-            </a:r>
-            <a:r>
-              <a:rPr lang="en-US" i="1" dirty="0" err="1" smtClean="0">
-                <a:latin typeface="Century"/>
-                <a:cs typeface="Century"/>
-              </a:rPr>
-              <a:t>plist</a:t>
-            </a:r>
-            <a:r>
-              <a:rPr lang="en-US" dirty="0" smtClean="0"/>
-              <a:t> })</a:t>
-            </a:r>
-          </a:p>
-          <a:p>
-            <a:r>
-              <a:rPr lang="en-US" sz="2000" dirty="0"/>
-              <a:t>	</a:t>
-            </a:r>
-            <a:r>
-              <a:rPr lang="en-US" sz="2000" i="1" dirty="0" err="1">
-                <a:latin typeface="Century"/>
-                <a:cs typeface="Century"/>
-              </a:rPr>
-              <a:t>plist</a:t>
-            </a:r>
-            <a:r>
-              <a:rPr lang="en-US" sz="2000" dirty="0"/>
-              <a:t> = [ {&lt;</a:t>
-            </a:r>
-            <a:r>
-              <a:rPr lang="en-US" sz="2000" i="1" dirty="0" err="1">
-                <a:latin typeface="Century"/>
-                <a:cs typeface="Century"/>
-              </a:rPr>
-              <a:t>PointSet</a:t>
-            </a:r>
-            <a:r>
-              <a:rPr lang="en-US" sz="2000" i="1" dirty="0">
-                <a:latin typeface="Century"/>
-                <a:cs typeface="Century"/>
-              </a:rPr>
-              <a:t> ID</a:t>
-            </a:r>
-            <a:r>
-              <a:rPr lang="en-US" sz="2000" dirty="0"/>
-              <a:t>&gt;: ‘</a:t>
-            </a:r>
-            <a:r>
-              <a:rPr lang="en-US" sz="2000" dirty="0" err="1"/>
-              <a:t>ps</a:t>
-            </a:r>
-            <a:r>
-              <a:rPr lang="en-US" sz="2000" dirty="0"/>
-              <a:t>’}, {&lt;</a:t>
-            </a:r>
-            <a:r>
-              <a:rPr lang="en-US" sz="2000" i="1" dirty="0" err="1">
-                <a:latin typeface="Century"/>
-                <a:cs typeface="Century"/>
-              </a:rPr>
-              <a:t>PointID</a:t>
-            </a:r>
-            <a:r>
-              <a:rPr lang="en-US" sz="2000" dirty="0"/>
-              <a:t>&gt;: ‘p’}, {...} ] </a:t>
-            </a:r>
-          </a:p>
-          <a:p>
-            <a:endParaRPr lang="en-US" sz="2000" dirty="0" smtClean="0"/>
-          </a:p>
-          <a:p>
-            <a:r>
-              <a:rPr lang="en-US" sz="2000" dirty="0" smtClean="0">
-                <a:latin typeface="Comic Sans MS"/>
-                <a:cs typeface="Comic Sans MS"/>
-              </a:rPr>
-              <a:t>the collection ‘trap’ holds a request of the stream type.</a:t>
+              <a:t>limit </a:t>
+            </a:r>
+            <a:r>
+              <a:rPr lang="en-US" dirty="0" smtClean="0">
+                <a:latin typeface="Comic Sans MS"/>
+                <a:cs typeface="Comic Sans MS"/>
+              </a:rPr>
+              <a:t>is a copy of </a:t>
+            </a:r>
+            <a:r>
+              <a:rPr lang="en-US" dirty="0" err="1" smtClean="0">
+                <a:latin typeface="Comic Sans MS"/>
+                <a:cs typeface="Comic Sans MS"/>
+              </a:rPr>
+              <a:t>acceptableSize</a:t>
+            </a:r>
+            <a:r>
+              <a:rPr lang="en-US" dirty="0" smtClean="0">
+                <a:latin typeface="Comic Sans MS"/>
+                <a:cs typeface="Comic Sans MS"/>
+              </a:rPr>
+              <a:t>.</a:t>
             </a:r>
           </a:p>
           <a:p>
             <a:pPr lvl="1"/>
-            <a:r>
-              <a:rPr lang="en-US" dirty="0" err="1" smtClean="0"/>
-              <a:t>db.trap</a:t>
-            </a:r>
-            <a:r>
-              <a:rPr lang="en-US" dirty="0" smtClean="0"/>
-              <a:t>( { ‘</a:t>
-            </a:r>
-            <a:r>
-              <a:rPr lang="en-US" dirty="0" err="1" smtClean="0"/>
-              <a:t>qk</a:t>
-            </a:r>
-            <a:r>
-              <a:rPr lang="en-US" dirty="0" smtClean="0"/>
-              <a:t>’: </a:t>
-            </a:r>
-            <a:r>
-              <a:rPr lang="en-US" i="1" dirty="0" err="1" smtClean="0">
-                <a:latin typeface="Century"/>
-                <a:cs typeface="Century"/>
-              </a:rPr>
-              <a:t>querykey</a:t>
-            </a:r>
-            <a:r>
-              <a:rPr lang="en-US" dirty="0" smtClean="0"/>
-              <a:t>, ‘limit’: </a:t>
-            </a:r>
             <a:r>
               <a:rPr lang="en-US" i="1" dirty="0" smtClean="0">
                 <a:latin typeface="Century"/>
                 <a:cs typeface="Century"/>
               </a:rPr>
-              <a:t>limit</a:t>
-            </a:r>
-            <a:r>
-              <a:rPr lang="en-US" dirty="0" smtClean="0"/>
-              <a:t>, ‘</a:t>
-            </a:r>
-            <a:r>
-              <a:rPr lang="en-US" dirty="0" err="1" smtClean="0"/>
-              <a:t>tte</a:t>
-            </a:r>
-            <a:r>
-              <a:rPr lang="en-US" dirty="0"/>
-              <a:t>’: </a:t>
-            </a:r>
-            <a:r>
-              <a:rPr lang="en-US" i="1" dirty="0">
-                <a:latin typeface="Century"/>
-                <a:cs typeface="Century"/>
-              </a:rPr>
-              <a:t>time to expire</a:t>
-            </a:r>
-            <a:r>
-              <a:rPr lang="en-US" dirty="0" smtClean="0"/>
-              <a:t>, </a:t>
+              <a:t>time to expire </a:t>
+            </a:r>
+            <a:r>
+              <a:rPr lang="en-US" dirty="0" smtClean="0">
+                <a:latin typeface="Comic Sans MS"/>
+                <a:cs typeface="Comic Sans MS"/>
+              </a:rPr>
+              <a:t>is the expiration date and time in </a:t>
+            </a:r>
+            <a:r>
+              <a:rPr lang="en-US" dirty="0" err="1" smtClean="0">
+                <a:latin typeface="Comic Sans MS"/>
+                <a:cs typeface="Comic Sans MS"/>
+              </a:rPr>
+              <a:t>UTC</a:t>
+            </a:r>
+            <a:r>
+              <a:rPr lang="en-US" dirty="0" smtClean="0">
+                <a:latin typeface="Comic Sans MS"/>
+                <a:cs typeface="Comic Sans MS"/>
+              </a:rPr>
+              <a:t>.</a:t>
             </a:r>
           </a:p>
           <a:p>
             <a:pPr lvl="1"/>
-            <a:r>
-              <a:rPr lang="en-US" dirty="0"/>
-              <a:t>	</a:t>
-            </a:r>
-            <a:r>
-              <a:rPr lang="en-US" dirty="0" smtClean="0"/>
-              <a:t>‘cd’: </a:t>
-            </a:r>
-            <a:r>
-              <a:rPr lang="en-US" i="1" dirty="0" err="1" smtClean="0">
-                <a:latin typeface="Century"/>
-                <a:cs typeface="Century"/>
-              </a:rPr>
-              <a:t>cbdata</a:t>
-            </a:r>
-            <a:r>
-              <a:rPr lang="en-US" dirty="0" smtClean="0"/>
-              <a:t>, ‘cc’: </a:t>
-            </a:r>
-            <a:r>
-              <a:rPr lang="en-US" i="1" dirty="0" err="1" smtClean="0">
-                <a:latin typeface="Century"/>
-                <a:cs typeface="Century"/>
-              </a:rPr>
-              <a:t>cbcontrol</a:t>
-            </a:r>
-            <a:r>
-              <a:rPr lang="en-US" dirty="0" smtClean="0"/>
-              <a:t>, ‘</a:t>
-            </a:r>
-            <a:r>
-              <a:rPr lang="en-US" dirty="0" err="1" smtClean="0"/>
-              <a:t>ctype</a:t>
-            </a:r>
-            <a:r>
-              <a:rPr lang="en-US" dirty="0" smtClean="0"/>
-              <a:t>’ : ‘text/xml’ | ‘text/</a:t>
-            </a:r>
-            <a:r>
-              <a:rPr lang="en-US" dirty="0" err="1" smtClean="0"/>
-              <a:t>json</a:t>
-            </a:r>
-            <a:r>
-              <a:rPr lang="en-US" dirty="0" smtClean="0"/>
-              <a:t>’,</a:t>
-            </a:r>
-          </a:p>
-          <a:p>
-            <a:pPr lvl="2"/>
-            <a:r>
-              <a:rPr lang="en-US" dirty="0" smtClean="0"/>
-              <a:t> ‘h’: </a:t>
-            </a:r>
             <a:r>
               <a:rPr lang="en-US" i="1" dirty="0" smtClean="0">
                 <a:latin typeface="Century"/>
@@ -7488,196 +8088,89 @@
             </a:r>
             <a:r>
               <a:rPr lang="en-US" dirty="0" smtClean="0"/>
-              <a:t> , ‘rip’:</a:t>
+              <a:t> </a:t>
             </a:r>
             <a:r>
               <a:rPr lang="en-US" dirty="0" smtClean="0">
-                <a:latin typeface="Century"/>
-                <a:cs typeface="Century"/>
-              </a:rPr>
-              <a:t> </a:t>
-            </a:r>
-            <a:r>
-              <a:rPr lang="en-US" i="1" dirty="0" smtClean="0">
-                <a:latin typeface="Century"/>
-                <a:cs typeface="Century"/>
-              </a:rPr>
-              <a:t>requester’s </a:t>
-            </a:r>
-            <a:r>
-              <a:rPr lang="en-US" i="1" dirty="0" err="1" smtClean="0">
-                <a:latin typeface="Century"/>
-                <a:cs typeface="Century"/>
-              </a:rPr>
-              <a:t>ipaddress</a:t>
-            </a:r>
-            <a:r>
-              <a:rPr lang="en-US" dirty="0" smtClean="0"/>
-              <a:t>, ‘</a:t>
-            </a:r>
-            <a:r>
-              <a:rPr lang="en-US" dirty="0" err="1" smtClean="0"/>
-              <a:t>rsan</a:t>
-            </a:r>
-            <a:r>
-              <a:rPr lang="en-US" dirty="0" smtClean="0"/>
-              <a:t>’: </a:t>
-            </a:r>
-            <a:r>
-              <a:rPr lang="en-US" i="1" dirty="0" smtClean="0">
-                <a:latin typeface="Century"/>
-                <a:cs typeface="Century"/>
-              </a:rPr>
-              <a:t>requester’s SAN</a:t>
-            </a:r>
-            <a:r>
-              <a:rPr lang="en-US" dirty="0" smtClean="0"/>
-              <a:t>} )</a:t>
-            </a:r>
-          </a:p>
-          <a:p>
-            <a:pPr lvl="1"/>
-            <a:r>
-              <a:rPr lang="en-US" i="1" dirty="0" err="1" smtClean="0">
-                <a:latin typeface="Century"/>
-                <a:cs typeface="Century"/>
-              </a:rPr>
-              <a:t>querykey</a:t>
-            </a:r>
-            <a:r>
-              <a:rPr lang="en-US" dirty="0" smtClean="0"/>
-              <a:t> </a:t>
-            </a:r>
-            <a:r>
-              <a:rPr lang="en-US" dirty="0" smtClean="0">
-                <a:latin typeface="Comic Sans MS"/>
-                <a:cs typeface="Comic Sans MS"/>
-              </a:rPr>
-              <a:t>is a xml text of the key object.</a:t>
-            </a:r>
-          </a:p>
-          <a:p>
-            <a:pPr lvl="1"/>
-            <a:r>
-              <a:rPr lang="en-US" i="1" dirty="0" smtClean="0">
-                <a:latin typeface="Century"/>
-                <a:cs typeface="Century"/>
-              </a:rPr>
-              <a:t>limit </a:t>
-            </a:r>
-            <a:r>
-              <a:rPr lang="en-US" dirty="0" smtClean="0">
-                <a:latin typeface="Comic Sans MS"/>
-                <a:cs typeface="Comic Sans MS"/>
-              </a:rPr>
-              <a:t>is a copy of </a:t>
-            </a:r>
-            <a:r>
-              <a:rPr lang="en-US" dirty="0" err="1" smtClean="0">
-                <a:latin typeface="Comic Sans MS"/>
-                <a:cs typeface="Comic Sans MS"/>
-              </a:rPr>
-              <a:t>acceptableSize</a:t>
-            </a:r>
-            <a:r>
-              <a:rPr lang="en-US" dirty="0" smtClean="0">
-                <a:latin typeface="Comic Sans MS"/>
-                <a:cs typeface="Comic Sans MS"/>
-              </a:rPr>
-              <a:t>.</a:t>
-            </a:r>
-          </a:p>
-          <a:p>
-            <a:pPr lvl="1"/>
-            <a:r>
-              <a:rPr lang="en-US" i="1" dirty="0" smtClean="0">
-                <a:latin typeface="Century"/>
-                <a:cs typeface="Century"/>
-              </a:rPr>
-              <a:t>time to expire </a:t>
-            </a:r>
-            <a:r>
-              <a:rPr lang="en-US" dirty="0" smtClean="0">
-                <a:latin typeface="Comic Sans MS"/>
-                <a:cs typeface="Comic Sans MS"/>
-              </a:rPr>
-              <a:t>is the expiration date and time in </a:t>
-            </a:r>
-            <a:r>
-              <a:rPr lang="en-US" dirty="0" err="1" smtClean="0">
-                <a:latin typeface="Comic Sans MS"/>
-                <a:cs typeface="Comic Sans MS"/>
-              </a:rPr>
-              <a:t>UTC</a:t>
-            </a:r>
-            <a:r>
-              <a:rPr lang="en-US" dirty="0" smtClean="0">
-                <a:latin typeface="Comic Sans MS"/>
-                <a:cs typeface="Comic Sans MS"/>
-              </a:rPr>
-              <a:t>.</a:t>
-            </a:r>
-          </a:p>
-          <a:p>
-            <a:pPr lvl="1"/>
-            <a:r>
-              <a:rPr lang="en-US" i="1" dirty="0" smtClean="0">
-                <a:latin typeface="Century"/>
-                <a:cs typeface="Century"/>
-              </a:rPr>
-              <a:t>header</a:t>
-            </a:r>
-            <a:r>
-              <a:rPr lang="en-US" dirty="0" smtClean="0"/>
-              <a:t> </a:t>
-            </a:r>
-            <a:r>
-              <a:rPr lang="en-US" dirty="0" smtClean="0">
-                <a:latin typeface="Comic Sans MS"/>
-                <a:cs typeface="Comic Sans MS"/>
-              </a:rPr>
-              <a:t>is a xml text to be put in the header.</a:t>
-            </a:r>
-          </a:p>
-          <a:p>
-            <a:pPr lvl="1"/>
-            <a:endParaRPr lang="en-US" sz="2000" dirty="0" smtClean="0">
+                <a:latin typeface="Comic Sans MS"/>
+                <a:cs typeface="Comic Sans MS"/>
+              </a:rPr>
+              <a:t>is a xml text to be put in the header object.</a:t>
+            </a:r>
+          </a:p>
+        </p:txBody>
+      </p:sp>
+      <p:sp>
+        <p:nvSpPr>
+          <p:cNvPr id="3" name="TextBox 2"/>
+          <p:cNvSpPr txBox="1"/>
+          <p:nvPr/>
+        </p:nvSpPr>
+        <p:spPr>
+          <a:xfrm>
+            <a:off x="755576" y="5949280"/>
+            <a:ext cx="7128792" cy="830997"/>
+          </a:xfrm>
+          <a:prstGeom prst="rect">
+            <a:avLst/>
+          </a:prstGeom>
+          <a:noFill/>
+        </p:spPr>
+        <p:txBody>
+          <a:bodyPr wrap="square" rtlCol="0">
+            <a:spAutoFit/>
+          </a:bodyPr>
+          <a:lstStyle/>
+          <a:p>
+            <a:pPr marL="4763" lvl="1"/>
+            <a:r>
+              <a:rPr lang="en-US" sz="2400" dirty="0" err="1">
+                <a:latin typeface="Comic Sans MS"/>
+                <a:cs typeface="Comic Sans MS"/>
+              </a:rPr>
+              <a:t>fiapy</a:t>
+            </a:r>
+            <a:r>
+              <a:rPr lang="en-US" sz="2400" dirty="0">
+                <a:latin typeface="Comic Sans MS"/>
+                <a:cs typeface="Comic Sans MS"/>
+              </a:rPr>
+              <a:t> just submits a plan into “trap</a:t>
+            </a:r>
+            <a:r>
+              <a:rPr lang="en-US" sz="2400" dirty="0" smtClean="0">
+                <a:latin typeface="Comic Sans MS"/>
+                <a:cs typeface="Comic Sans MS"/>
+              </a:rPr>
+              <a:t>” collection.</a:t>
+            </a:r>
+            <a:endParaRPr lang="en-US" sz="2400" dirty="0">
               <a:latin typeface="Comic Sans MS"/>
               <a:cs typeface="Comic Sans MS"/>
             </a:endParaRPr>
           </a:p>
           <a:p>
-            <a:pPr lvl="1"/>
-            <a:r>
-              <a:rPr lang="en-US" sz="2000" dirty="0" err="1" smtClean="0">
-                <a:latin typeface="Comic Sans MS"/>
-                <a:cs typeface="Comic Sans MS"/>
-              </a:rPr>
-              <a:t>fiapy</a:t>
-            </a:r>
-            <a:r>
-              <a:rPr lang="en-US" sz="2000" dirty="0" smtClean="0">
-                <a:latin typeface="Comic Sans MS"/>
-                <a:cs typeface="Comic Sans MS"/>
-              </a:rPr>
-              <a:t> just submits the schedule.</a:t>
-            </a:r>
-          </a:p>
-          <a:p>
-            <a:pPr lvl="1"/>
-            <a:r>
-              <a:rPr lang="en-US" sz="2000" dirty="0" err="1" smtClean="0">
+            <a:pPr marL="4763" lvl="1"/>
+            <a:r>
+              <a:rPr lang="en-US" sz="2400" dirty="0" err="1" smtClean="0">
                 <a:latin typeface="Comic Sans MS"/>
                 <a:cs typeface="Comic Sans MS"/>
               </a:rPr>
               <a:t>trapy</a:t>
             </a:r>
             <a:r>
-              <a:rPr lang="en-US" sz="2000" dirty="0" smtClean="0">
-                <a:latin typeface="Comic Sans MS"/>
-                <a:cs typeface="Comic Sans MS"/>
-              </a:rPr>
-              <a:t> maintains this collection.</a:t>
+              <a:rPr lang="en-US" sz="2400" dirty="0" smtClean="0">
+                <a:latin typeface="Comic Sans MS"/>
+                <a:cs typeface="Comic Sans MS"/>
+              </a:rPr>
+              <a:t> checks and </a:t>
+            </a:r>
+            <a:r>
+              <a:rPr lang="en-US" sz="2400" dirty="0">
+                <a:latin typeface="Comic Sans MS"/>
+                <a:cs typeface="Comic Sans MS"/>
+              </a:rPr>
+              <a:t>maintains the plan.</a:t>
             </a:r>
           </a:p>
         </p:txBody>
@@ -7748,7 +8241,7 @@
         <p:spPr/>
         <p:txBody>
           <a:bodyPr>
-            <a:normAutofit fontScale="85000" lnSpcReduction="10000"/>
+            <a:normAutofit fontScale="85000" lnSpcReduction="20000"/>
           </a:bodyPr>
           <a:lstStyle/>
           <a:p>
@@ -7760,21 +8253,21 @@
           <a:p>
             <a:pPr lvl="1"/>
             <a:r>
-              <a:rPr lang="en-US" dirty="0" smtClean="0"/>
+              <a:rPr lang="en-US" strike="sngStrike" dirty="0" smtClean="0"/>
               <a:t>TLS with certificate authentication support.</a:t>
             </a:r>
           </a:p>
           <a:p>
             <a:pPr lvl="1"/>
             <a:r>
-              <a:rPr lang="en-US" dirty="0" smtClean="0"/>
+              <a:rPr lang="en-US" strike="sngStrike" dirty="0" smtClean="0"/>
               <a:t>Access control by Subject Alternative Name.</a:t>
             </a:r>
           </a:p>
           <a:p>
             <a:pPr lvl="1"/>
             <a:r>
-              <a:rPr lang="en-US" dirty="0" smtClean="0"/>
+              <a:rPr lang="en-US" strike="sngStrike" dirty="0" smtClean="0"/>
               <a:t>Mongo DB maintenance GUI.</a:t>
             </a:r>
           </a:p>
@@ -7805,6 +8298,17 @@
           <a:p>
             <a:pPr lvl="1"/>
             <a:r>
+              <a:rPr lang="en-US" dirty="0" err="1" smtClean="0"/>
+              <a:t>ponit</a:t>
+            </a:r>
+            <a:r>
+              <a:rPr lang="en-US" dirty="0" smtClean="0"/>
+              <a:t> set</a:t>
+            </a:r>
+          </a:p>
+          <a:p>
+            <a:pPr lvl="1"/>
+            <a:r>
               <a:rPr lang="en-US" dirty="0" smtClean="0"/>
               <a:t>‘cursor’ handling in XML case.</a:t>
             </a:r>
@@ -7812,34 +8316,43 @@
           <a:p>
             <a:pPr lvl="1"/>
             <a:r>
+              <a:rPr lang="en-US" strike="sngStrike" dirty="0" err="1" smtClean="0"/>
+              <a:t>JSON</a:t>
+            </a:r>
+            <a:r>
+              <a:rPr lang="en-US" strike="sngStrike" dirty="0" smtClean="0"/>
+              <a:t> to XML of </a:t>
+            </a:r>
+            <a:r>
+              <a:rPr lang="en-US" strike="sngStrike" dirty="0" err="1" smtClean="0"/>
+              <a:t>queryRS</a:t>
+            </a:r>
+            <a:r>
+              <a:rPr lang="en-US" strike="sngStrike" dirty="0" smtClean="0"/>
+              <a:t>.</a:t>
+            </a:r>
+          </a:p>
+          <a:p>
+            <a:pPr lvl="1"/>
+            <a:r>
+              <a:rPr lang="en-US" strike="sngStrike" dirty="0" smtClean="0"/>
+              <a:t>Interoperability.</a:t>
+            </a:r>
+            <a:r>
+              <a:rPr lang="en-US" dirty="0" smtClean="0"/>
+              <a:t> 21-Jan-2015 @ </a:t>
+            </a:r>
+            <a:r>
               <a:rPr lang="en-US" dirty="0" err="1" smtClean="0"/>
-              <a:t>JSON</a:t>
-            </a:r>
+              <a:t>GUTP</a:t>
+            </a:r>
+            <a:endParaRPr lang="en-US" dirty="0" smtClean="0"/>
+          </a:p>
+          <a:p>
+            <a:pPr lvl="1"/>
             <a:r>
               <a:rPr lang="en-US" dirty="0" smtClean="0"/>
-              <a:t> to XML of </a:t>
-            </a:r>
-            <a:r>
-              <a:rPr lang="en-US" dirty="0" err="1" smtClean="0"/>
-              <a:t>queryRS</a:t>
-            </a:r>
-            <a:r>
-              <a:rPr lang="en-US" dirty="0" smtClean="0"/>
-              <a:t>.</a:t>
-            </a:r>
-          </a:p>
-          <a:p>
-            <a:pPr lvl="1"/>
-            <a:r>
-              <a:rPr lang="en-US" dirty="0" smtClean="0"/>
-              <a:t>Interoperability.</a:t>
-            </a:r>
-          </a:p>
-          <a:p>
-            <a:pPr lvl="1"/>
-            <a:r>
-              <a:rPr lang="en-US" dirty="0" smtClean="0"/>
-              <a:t>clean up.</a:t>
+              <a:t>code clean up.</a:t>
             </a:r>
           </a:p>
           <a:p>
@@ -7933,7 +8446,7 @@
         <p:spPr/>
         <p:txBody>
           <a:bodyPr>
-            <a:normAutofit fontScale="92500" lnSpcReduction="10000"/>
+            <a:normAutofit/>
           </a:bodyPr>
           <a:lstStyle/>
           <a:p>
@@ -8029,20 +8542,6 @@
               <a:rPr lang="en-US" dirty="0" smtClean="0"/>
               <a:t>easy and faster developing.</a:t>
             </a:r>
-          </a:p>
-          <a:p>
-            <a:pPr lvl="1"/>
-            <a:r>
-              <a:rPr lang="en-US" dirty="0" smtClean="0"/>
-              <a:t>for my training </a:t>
-            </a:r>
-            <a:r>
-              <a:rPr lang="en-US" dirty="0" smtClean="0">
-                <a:sym typeface="Wingdings"/>
-              </a:rPr>
-              <a:t></a:t>
-            </a:r>
-            <a:endParaRPr lang="en-US" dirty="0" smtClean="0"/>
           </a:p>
         </p:txBody>
       </p:sp>
@@ -9363,7 +9862,7 @@
         <p:spPr/>
         <p:txBody>
           <a:bodyPr>
-            <a:normAutofit fontScale="92500" lnSpcReduction="20000"/>
+            <a:normAutofit fontScale="92500" lnSpcReduction="10000"/>
           </a:bodyPr>
           <a:lstStyle/>
           <a:p>
@@ -9408,7 +9907,7 @@
               <a:buNone/>
             </a:pPr>
             <a:r>
-              <a:rPr lang="en-US" smtClean="0"/>
+              <a:rPr lang="en-US" dirty="0" smtClean="0"/>
               <a:t>..</a:t>
             </a:r>
             <a:endParaRPr lang="en-US" dirty="0"/>
@@ -9492,17 +9991,13 @@
             </a:pPr>
             <a:r>
               <a:rPr lang="en-US" dirty="0" smtClean="0"/>
-              <a:t>cons: might limit the maximum number of tables.</a:t>
-            </a:r>
-          </a:p>
-          <a:p>
+              <a:t>cons: might limit the maximum number of tables</a:t>
+            </a:r>
             <a:r>
               <a:rPr lang="en-US" dirty="0" smtClean="0"/>
-              <a:t>s</a:t>
-            </a:r>
-          </a:p>
-          <a:p>
-            <a:endParaRPr lang="en-US" dirty="0"/>
+              <a:t>.</a:t>
+            </a:r>
+            <a:endParaRPr lang="en-US" dirty="0" smtClean="0"/>
           </a:p>
         </p:txBody>
       </p:sp>
@@ -9514,7 +10009,7 @@
         </p:nvSpPr>
         <p:spPr>
           <a:xfrm rot="20872935">
-            <a:off x="62253" y="3609854"/>
+            <a:off x="62253" y="3249814"/>
             <a:ext cx="1367874" cy="400110"/>
           </a:xfrm>
           <a:prstGeom prst="rect">
@@ -10474,7 +10969,7 @@
         <p:spPr/>
         <p:txBody>
           <a:bodyPr>
-            <a:normAutofit/>
+            <a:normAutofit lnSpcReduction="10000"/>
           </a:bodyPr>
           <a:lstStyle/>
           <a:p>
@@ -10503,6 +10998,24 @@
               <a:t> stores a data simply into </a:t>
             </a:r>
             <a:r>
+              <a:rPr lang="en-US" dirty="0" err="1" smtClean="0">
+                <a:solidFill>
+                  <a:srgbClr val="FF6600"/>
+                </a:solidFill>
+                <a:latin typeface="Comic Sans MS"/>
+                <a:cs typeface="Comic Sans MS"/>
+              </a:rPr>
+              <a:t>db.fiap</a:t>
+            </a:r>
+            <a:r>
+              <a:rPr lang="en-US" dirty="0">
+                <a:solidFill>
+                  <a:srgbClr val="FF6600"/>
+                </a:solidFill>
+              </a:rPr>
+              <a:t>[</a:t>
+            </a:r>
+            <a:r>
               <a:rPr lang="en-US" dirty="0" smtClean="0">
                 <a:solidFill>
                   <a:srgbClr val="FF6600"/>
@@ -10510,7 +11023,7 @@
                 <a:latin typeface="Comic Sans MS"/>
                 <a:cs typeface="Comic Sans MS"/>
               </a:rPr>
-              <a:t>db.&lt;</a:t>
+              <a:t>&lt;</a:t>
             </a:r>
             <a:r>
               <a:rPr lang="en-US" dirty="0" err="1" smtClean="0">
@@ -10530,7 +11043,7 @@
                 <a:latin typeface="Comic Sans MS"/>
                 <a:cs typeface="Comic Sans MS"/>
               </a:rPr>
-              <a:t>&gt;</a:t>
+              <a:t>&gt;]</a:t>
             </a:r>
             <a:r>
               <a:rPr lang="en-US" dirty="0" smtClean="0">
@@ -10572,6 +11085,16 @@
               <a:t> searches </a:t>
             </a:r>
             <a:r>
+              <a:rPr lang="en-US" dirty="0" err="1" smtClean="0">
+                <a:solidFill>
+                  <a:srgbClr val="FF6600"/>
+                </a:solidFill>
+                <a:latin typeface="Comic Sans MS"/>
+                <a:cs typeface="Comic Sans MS"/>
+              </a:rPr>
+              <a:t>db.fiap</a:t>
+            </a:r>
+            <a:r>
               <a:rPr lang="en-US" dirty="0" smtClean="0">
                 <a:solidFill>
                   <a:srgbClr val="FF6600"/>
@@ -10579,7 +11102,7 @@
                 <a:latin typeface="Comic Sans MS"/>
                 <a:cs typeface="Comic Sans MS"/>
               </a:rPr>
-              <a:t>db.&lt;</a:t>
+              <a:t>[&lt;</a:t>
             </a:r>
             <a:r>
               <a:rPr lang="en-US" dirty="0" err="1" smtClean="0">
@@ -10599,7 +11122,7 @@
                 <a:latin typeface="Comic Sans MS"/>
                 <a:cs typeface="Comic Sans MS"/>
               </a:rPr>
-              <a:t>&gt;</a:t>
+              <a:t>&gt;]</a:t>
             </a:r>
             <a:r>
               <a:rPr lang="en-US" dirty="0" smtClean="0">
@@ -10625,14 +11148,14 @@
           </a:p>
           <a:p>
             <a:r>
-              <a:rPr lang="en-US" dirty="0" smtClean="0">
+              <a:rPr lang="en-US" strike="sngStrike" dirty="0" smtClean="0">
                 <a:latin typeface="Comic Sans MS"/>
                 <a:cs typeface="Comic Sans MS"/>
               </a:rPr>
               <a:t> </a:t>
             </a:r>
             <a:r>
-              <a:rPr lang="en-US" dirty="0" err="1" smtClean="0">
+              <a:rPr lang="en-US" strike="sngStrike" dirty="0" err="1" smtClean="0">
                 <a:solidFill>
                   <a:srgbClr val="FF0000"/>
                 </a:solidFill>
@@ -10642,58 +11165,76 @@
               <a:t>fiapy</a:t>
             </a:r>
             <a:r>
-              <a:rPr lang="en-US" dirty="0" smtClean="0">
+              <a:rPr lang="en-US" strike="sngStrike" dirty="0" smtClean="0">
                 <a:latin typeface="Comic Sans MS"/>
                 <a:cs typeface="Comic Sans MS"/>
               </a:rPr>
               <a:t> uses </a:t>
             </a:r>
             <a:r>
-              <a:rPr lang="en-US" dirty="0" smtClean="0">
+              <a:rPr lang="en-US" strike="sngStrike" dirty="0" err="1" smtClean="0">
                 <a:solidFill>
                   <a:srgbClr val="FF6600"/>
                 </a:solidFill>
                 <a:latin typeface="Comic Sans MS"/>
                 <a:cs typeface="Comic Sans MS"/>
               </a:rPr>
-              <a:t>db.&lt;</a:t>
-            </a:r>
-            <a:r>
-              <a:rPr lang="en-US" dirty="0" err="1" smtClean="0">
+              <a:t>db.fiap</a:t>
+            </a:r>
+            <a:r>
+              <a:rPr lang="en-US" strike="sngStrike" dirty="0">
                 <a:solidFill>
                   <a:srgbClr val="FF6600"/>
                 </a:solidFill>
-                <a:latin typeface="Comic Sans MS"/>
-                <a:cs typeface="Comic Sans MS"/>
-              </a:rPr>
-              <a:t>pointSetID</a:t>
-            </a:r>
-            <a:r>
-              <a:rPr lang="en-US" dirty="0" smtClean="0">
+              </a:rPr>
+              <a:t>[</a:t>
+            </a:r>
+            <a:r>
+              <a:rPr lang="en-US" strike="sngStrike" dirty="0" smtClean="0">
                 <a:solidFill>
                   <a:srgbClr val="FF6600"/>
                 </a:solidFill>
                 <a:latin typeface="Comic Sans MS"/>
                 <a:cs typeface="Comic Sans MS"/>
               </a:rPr>
-              <a:t>&gt;</a:t>
-            </a:r>
-            <a:r>
-              <a:rPr lang="en-US" dirty="0" smtClean="0">
+              <a:t>&lt;</a:t>
+            </a:r>
+            <a:r>
+              <a:rPr lang="en-US" strike="sngStrike" dirty="0" err="1" smtClean="0">
+                <a:solidFill>
+                  <a:srgbClr val="FF6600"/>
+                </a:solidFill>
+                <a:latin typeface="Comic Sans MS"/>
+                <a:cs typeface="Comic Sans MS"/>
+              </a:rPr>
+              <a:t>pointSetID</a:t>
+            </a:r>
+            <a:r>
+              <a:rPr lang="en-US" strike="sngStrike" dirty="0" smtClean="0">
+                <a:solidFill>
+                  <a:srgbClr val="FF6600"/>
+                </a:solidFill>
+                <a:latin typeface="Comic Sans MS"/>
+                <a:cs typeface="Comic Sans MS"/>
+              </a:rPr>
+              <a:t>&gt;]</a:t>
+            </a:r>
+            <a:r>
+              <a:rPr lang="en-US" strike="sngStrike" dirty="0" smtClean="0">
                 <a:latin typeface="Comic Sans MS"/>
                 <a:cs typeface="Comic Sans MS"/>
               </a:rPr>
               <a:t> if the key includes a </a:t>
             </a:r>
             <a:r>
-              <a:rPr lang="en-US" dirty="0" err="1" smtClean="0">
+              <a:rPr lang="en-US" strike="sngStrike" dirty="0" err="1" smtClean="0">
                 <a:latin typeface="Comic Sans MS"/>
                 <a:cs typeface="Comic Sans MS"/>
               </a:rPr>
               <a:t>pointSetID</a:t>
             </a:r>
             <a:r>
-              <a:rPr lang="en-US" dirty="0" smtClean="0">
+              <a:rPr lang="en-US" strike="sngStrike" dirty="0" smtClean="0">
                 <a:latin typeface="Comic Sans MS"/>
                 <a:cs typeface="Comic Sans MS"/>
               </a:rPr>
